--- a/Analysis_result/20180122_result.pptx
+++ b/Analysis_result/20180122_result.pptx
@@ -6,12 +6,13 @@
   </p:sldMasterIdLst>
   <p:sldIdLst>
     <p:sldId id="256" r:id="rId2"/>
-    <p:sldId id="257" r:id="rId3"/>
-    <p:sldId id="258" r:id="rId4"/>
-    <p:sldId id="259" r:id="rId5"/>
-    <p:sldId id="260" r:id="rId6"/>
-    <p:sldId id="261" r:id="rId7"/>
-    <p:sldId id="262" r:id="rId8"/>
+    <p:sldId id="263" r:id="rId3"/>
+    <p:sldId id="257" r:id="rId4"/>
+    <p:sldId id="258" r:id="rId5"/>
+    <p:sldId id="259" r:id="rId6"/>
+    <p:sldId id="260" r:id="rId7"/>
+    <p:sldId id="261" r:id="rId8"/>
+    <p:sldId id="262" r:id="rId9"/>
   </p:sldIdLst>
   <p:sldSz cx="12192000" cy="6858000"/>
   <p:notesSz cx="6858000" cy="9144000"/>
@@ -110,6 +111,11 @@
       </a:defRPr>
     </a:lvl9pPr>
   </p:defaultTextStyle>
+  <p:extLst>
+    <p:ext uri="{EFAFB233-063F-42B5-8137-9DF3F51BA10A}">
+      <p15:sldGuideLst xmlns:p15="http://schemas.microsoft.com/office/powerpoint/2012/main"/>
+    </p:ext>
+  </p:extLst>
 </p:presentation>
 </file>
 
@@ -154,7 +160,6 @@
           </a:p>
         </c:rich>
       </c:tx>
-      <c:layout/>
       <c:overlay val="0"/>
       <c:spPr>
         <a:noFill/>
@@ -2806,11 +2811,11 @@
           <c:showPercent val="0"/>
           <c:showBubbleSize val="0"/>
         </c:dLbls>
-        <c:axId val="461211408"/>
-        <c:axId val="461205136"/>
+        <c:axId val="210851448"/>
+        <c:axId val="210853800"/>
       </c:scatterChart>
       <c:valAx>
-        <c:axId val="461211408"/>
+        <c:axId val="210851448"/>
         <c:scaling>
           <c:orientation val="minMax"/>
         </c:scaling>
@@ -2867,12 +2872,12 @@
             <a:endParaRPr lang="zh-TW"/>
           </a:p>
         </c:txPr>
-        <c:crossAx val="461205136"/>
+        <c:crossAx val="210853800"/>
         <c:crosses val="autoZero"/>
         <c:crossBetween val="midCat"/>
       </c:valAx>
       <c:valAx>
-        <c:axId val="461205136"/>
+        <c:axId val="210853800"/>
         <c:scaling>
           <c:orientation val="minMax"/>
         </c:scaling>
@@ -2929,7 +2934,7 @@
             <a:endParaRPr lang="zh-TW"/>
           </a:p>
         </c:txPr>
-        <c:crossAx val="461211408"/>
+        <c:crossAx val="210851448"/>
         <c:crosses val="autoZero"/>
         <c:crossBetween val="midCat"/>
       </c:valAx>
@@ -2943,7 +2948,6 @@
     </c:plotArea>
     <c:legend>
       <c:legendPos val="b"/>
-      <c:layout/>
       <c:overlay val="0"/>
       <c:spPr>
         <a:noFill/>
@@ -3041,7 +3045,6 @@
           </a:p>
         </c:rich>
       </c:tx>
-      <c:layout/>
       <c:overlay val="0"/>
       <c:spPr>
         <a:noFill/>
@@ -5693,11 +5696,11 @@
           <c:showPercent val="0"/>
           <c:showBubbleSize val="0"/>
         </c:dLbls>
-        <c:axId val="461207096"/>
-        <c:axId val="461208272"/>
+        <c:axId val="210852624"/>
+        <c:axId val="210848704"/>
       </c:scatterChart>
       <c:valAx>
-        <c:axId val="461207096"/>
+        <c:axId val="210852624"/>
         <c:scaling>
           <c:orientation val="minMax"/>
         </c:scaling>
@@ -5754,12 +5757,12 @@
             <a:endParaRPr lang="zh-TW"/>
           </a:p>
         </c:txPr>
-        <c:crossAx val="461208272"/>
+        <c:crossAx val="210848704"/>
         <c:crosses val="autoZero"/>
         <c:crossBetween val="midCat"/>
       </c:valAx>
       <c:valAx>
-        <c:axId val="461208272"/>
+        <c:axId val="210848704"/>
         <c:scaling>
           <c:orientation val="minMax"/>
         </c:scaling>
@@ -5816,7 +5819,7 @@
             <a:endParaRPr lang="zh-TW"/>
           </a:p>
         </c:txPr>
-        <c:crossAx val="461207096"/>
+        <c:crossAx val="210852624"/>
         <c:crosses val="autoZero"/>
         <c:crossBetween val="midCat"/>
       </c:valAx>
@@ -5830,7 +5833,6 @@
     </c:plotArea>
     <c:legend>
       <c:legendPos val="b"/>
-      <c:layout/>
       <c:overlay val="0"/>
       <c:spPr>
         <a:noFill/>
@@ -5928,7 +5930,6 @@
           </a:p>
         </c:rich>
       </c:tx>
-      <c:layout/>
       <c:overlay val="0"/>
       <c:spPr>
         <a:noFill/>
@@ -8580,11 +8581,11 @@
           <c:showPercent val="0"/>
           <c:showBubbleSize val="0"/>
         </c:dLbls>
-        <c:axId val="556944784"/>
-        <c:axId val="556944392"/>
+        <c:axId val="210850272"/>
+        <c:axId val="210849096"/>
       </c:scatterChart>
       <c:valAx>
-        <c:axId val="556944784"/>
+        <c:axId val="210850272"/>
         <c:scaling>
           <c:orientation val="minMax"/>
         </c:scaling>
@@ -8641,12 +8642,12 @@
             <a:endParaRPr lang="zh-TW"/>
           </a:p>
         </c:txPr>
-        <c:crossAx val="556944392"/>
+        <c:crossAx val="210849096"/>
         <c:crosses val="autoZero"/>
         <c:crossBetween val="midCat"/>
       </c:valAx>
       <c:valAx>
-        <c:axId val="556944392"/>
+        <c:axId val="210849096"/>
         <c:scaling>
           <c:orientation val="minMax"/>
         </c:scaling>
@@ -8703,7 +8704,7 @@
             <a:endParaRPr lang="zh-TW"/>
           </a:p>
         </c:txPr>
-        <c:crossAx val="556944784"/>
+        <c:crossAx val="210850272"/>
         <c:crosses val="autoZero"/>
         <c:crossBetween val="midCat"/>
       </c:valAx>
@@ -8717,7 +8718,6 @@
     </c:plotArea>
     <c:legend>
       <c:legendPos val="b"/>
-      <c:layout/>
       <c:overlay val="0"/>
       <c:spPr>
         <a:noFill/>
@@ -8815,7 +8815,6 @@
           </a:p>
         </c:rich>
       </c:tx>
-      <c:layout/>
       <c:overlay val="0"/>
       <c:spPr>
         <a:noFill/>
@@ -11467,11 +11466,11 @@
           <c:showPercent val="0"/>
           <c:showBubbleSize val="0"/>
         </c:dLbls>
-        <c:axId val="556944000"/>
-        <c:axId val="556945568"/>
+        <c:axId val="210849880"/>
+        <c:axId val="210850664"/>
       </c:scatterChart>
       <c:valAx>
-        <c:axId val="556944000"/>
+        <c:axId val="210849880"/>
         <c:scaling>
           <c:orientation val="minMax"/>
         </c:scaling>
@@ -11528,12 +11527,12 @@
             <a:endParaRPr lang="zh-TW"/>
           </a:p>
         </c:txPr>
-        <c:crossAx val="556945568"/>
+        <c:crossAx val="210850664"/>
         <c:crosses val="autoZero"/>
         <c:crossBetween val="midCat"/>
       </c:valAx>
       <c:valAx>
-        <c:axId val="556945568"/>
+        <c:axId val="210850664"/>
         <c:scaling>
           <c:orientation val="minMax"/>
         </c:scaling>
@@ -11590,7 +11589,7 @@
             <a:endParaRPr lang="zh-TW"/>
           </a:p>
         </c:txPr>
-        <c:crossAx val="556944000"/>
+        <c:crossAx val="210849880"/>
         <c:crosses val="autoZero"/>
         <c:crossBetween val="midCat"/>
       </c:valAx>
@@ -11604,7 +11603,6 @@
     </c:plotArea>
     <c:legend>
       <c:legendPos val="b"/>
-      <c:layout/>
       <c:overlay val="0"/>
       <c:spPr>
         <a:noFill/>
@@ -11702,7 +11700,6 @@
           </a:p>
         </c:rich>
       </c:tx>
-      <c:layout/>
       <c:overlay val="0"/>
       <c:spPr>
         <a:noFill/>
@@ -14354,11 +14351,11 @@
           <c:showPercent val="0"/>
           <c:showBubbleSize val="0"/>
         </c:dLbls>
-        <c:axId val="564882184"/>
-        <c:axId val="564884144"/>
+        <c:axId val="210854584"/>
+        <c:axId val="210851056"/>
       </c:scatterChart>
       <c:valAx>
-        <c:axId val="564882184"/>
+        <c:axId val="210854584"/>
         <c:scaling>
           <c:orientation val="minMax"/>
         </c:scaling>
@@ -14415,12 +14412,12 @@
             <a:endParaRPr lang="zh-TW"/>
           </a:p>
         </c:txPr>
-        <c:crossAx val="564884144"/>
+        <c:crossAx val="210851056"/>
         <c:crosses val="autoZero"/>
         <c:crossBetween val="midCat"/>
       </c:valAx>
       <c:valAx>
-        <c:axId val="564884144"/>
+        <c:axId val="210851056"/>
         <c:scaling>
           <c:orientation val="minMax"/>
         </c:scaling>
@@ -14477,7 +14474,7 @@
             <a:endParaRPr lang="zh-TW"/>
           </a:p>
         </c:txPr>
-        <c:crossAx val="564882184"/>
+        <c:crossAx val="210854584"/>
         <c:crosses val="autoZero"/>
         <c:crossBetween val="midCat"/>
       </c:valAx>
@@ -14491,7 +14488,6 @@
     </c:plotArea>
     <c:legend>
       <c:legendPos val="b"/>
-      <c:layout/>
       <c:overlay val="0"/>
       <c:spPr>
         <a:noFill/>
@@ -14589,7 +14585,6 @@
           </a:p>
         </c:rich>
       </c:tx>
-      <c:layout/>
       <c:overlay val="0"/>
       <c:spPr>
         <a:noFill/>
@@ -17241,11 +17236,11 @@
           <c:showPercent val="0"/>
           <c:showBubbleSize val="0"/>
         </c:dLbls>
-        <c:axId val="464369176"/>
-        <c:axId val="464368784"/>
+        <c:axId val="210856152"/>
+        <c:axId val="210854976"/>
       </c:scatterChart>
       <c:valAx>
-        <c:axId val="464369176"/>
+        <c:axId val="210856152"/>
         <c:scaling>
           <c:orientation val="minMax"/>
         </c:scaling>
@@ -17302,12 +17297,12 @@
             <a:endParaRPr lang="zh-TW"/>
           </a:p>
         </c:txPr>
-        <c:crossAx val="464368784"/>
+        <c:crossAx val="210854976"/>
         <c:crosses val="autoZero"/>
         <c:crossBetween val="midCat"/>
       </c:valAx>
       <c:valAx>
-        <c:axId val="464368784"/>
+        <c:axId val="210854976"/>
         <c:scaling>
           <c:orientation val="minMax"/>
         </c:scaling>
@@ -17364,7 +17359,7 @@
             <a:endParaRPr lang="zh-TW"/>
           </a:p>
         </c:txPr>
-        <c:crossAx val="464369176"/>
+        <c:crossAx val="210856152"/>
         <c:crosses val="autoZero"/>
         <c:crossBetween val="midCat"/>
       </c:valAx>
@@ -17378,7 +17373,6 @@
     </c:plotArea>
     <c:legend>
       <c:legendPos val="b"/>
-      <c:layout/>
       <c:overlay val="0"/>
       <c:spPr>
         <a:noFill/>
@@ -23643,6 +23637,10 @@
           <a:bodyPr/>
           <a:lstStyle/>
           <a:p>
+            <a:r>
+              <a:rPr lang="zh-TW" altLang="en-US" dirty="0" smtClean="0"/>
+              <a:t>多事件跨文件摘要</a:t>
+            </a:r>
             <a:endParaRPr lang="zh-TW" altLang="en-US" dirty="0"/>
           </a:p>
         </p:txBody>
@@ -23680,6 +23678,814 @@
 </file>
 
 <file path=ppt/slides/slide2.xml><?xml version="1.0" encoding="utf-8"?>
+<p:sld xmlns:a="http://schemas.openxmlformats.org/drawingml/2006/main" xmlns:r="http://schemas.openxmlformats.org/officeDocument/2006/relationships" xmlns:p="http://schemas.openxmlformats.org/presentationml/2006/main">
+  <p:cSld>
+    <p:spTree>
+      <p:nvGrpSpPr>
+        <p:cNvPr id="1" name=""/>
+        <p:cNvGrpSpPr/>
+        <p:nvPr/>
+      </p:nvGrpSpPr>
+      <p:grpSpPr>
+        <a:xfrm>
+          <a:off x="0" y="0"/>
+          <a:ext cx="0" cy="0"/>
+          <a:chOff x="0" y="0"/>
+          <a:chExt cx="0" cy="0"/>
+        </a:xfrm>
+      </p:grpSpPr>
+      <p:sp>
+        <p:nvSpPr>
+          <p:cNvPr id="2" name="標題 1"/>
+          <p:cNvSpPr>
+            <a:spLocks noGrp="1"/>
+          </p:cNvSpPr>
+          <p:nvPr>
+            <p:ph type="title"/>
+          </p:nvPr>
+        </p:nvSpPr>
+        <p:spPr/>
+        <p:txBody>
+          <a:bodyPr/>
+          <a:lstStyle/>
+          <a:p>
+            <a:r>
+              <a:rPr lang="zh-TW" altLang="en-US" dirty="0" smtClean="0"/>
+              <a:t>資料</a:t>
+            </a:r>
+            <a:endParaRPr lang="zh-TW" altLang="en-US" dirty="0"/>
+          </a:p>
+        </p:txBody>
+      </p:sp>
+      <p:graphicFrame>
+        <p:nvGraphicFramePr>
+          <p:cNvPr id="5" name="表格 4"/>
+          <p:cNvGraphicFramePr>
+            <a:graphicFrameLocks noGrp="1"/>
+          </p:cNvGraphicFramePr>
+          <p:nvPr>
+            <p:extLst>
+              <p:ext uri="{D42A27DB-BD31-4B8C-83A1-F6EECF244321}">
+                <p14:modId xmlns:p14="http://schemas.microsoft.com/office/powerpoint/2010/main" val="1172321540"/>
+              </p:ext>
+            </p:extLst>
+          </p:nvPr>
+        </p:nvGraphicFramePr>
+        <p:xfrm>
+          <a:off x="838200" y="1999826"/>
+          <a:ext cx="10515600" cy="3708400"/>
+        </p:xfrm>
+        <a:graphic>
+          <a:graphicData uri="http://schemas.openxmlformats.org/drawingml/2006/table">
+            <a:tbl>
+              <a:tblPr firstRow="1" bandRow="1">
+                <a:tableStyleId>{5C22544A-7EE6-4342-B048-85BDC9FD1C3A}</a:tableStyleId>
+              </a:tblPr>
+              <a:tblGrid>
+                <a:gridCol w="2103120"/>
+                <a:gridCol w="2103120"/>
+                <a:gridCol w="2103120"/>
+                <a:gridCol w="2103120"/>
+                <a:gridCol w="2103120"/>
+              </a:tblGrid>
+              <a:tr h="370840">
+                <a:tc>
+                  <a:txBody>
+                    <a:bodyPr/>
+                    <a:lstStyle/>
+                    <a:p>
+                      <a:r>
+                        <a:rPr lang="zh-TW" altLang="en-US" dirty="0" smtClean="0"/>
+                        <a:t>主題</a:t>
+                      </a:r>
+                      <a:endParaRPr lang="zh-TW" altLang="en-US" dirty="0"/>
+                    </a:p>
+                  </a:txBody>
+                  <a:tcPr/>
+                </a:tc>
+                <a:tc>
+                  <a:txBody>
+                    <a:bodyPr/>
+                    <a:lstStyle/>
+                    <a:p>
+                      <a:r>
+                        <a:rPr lang="zh-TW" altLang="en-US" dirty="0" smtClean="0"/>
+                        <a:t>總筆數</a:t>
+                      </a:r>
+                      <a:endParaRPr lang="zh-TW" altLang="en-US" dirty="0"/>
+                    </a:p>
+                  </a:txBody>
+                  <a:tcPr/>
+                </a:tc>
+                <a:tc>
+                  <a:txBody>
+                    <a:bodyPr/>
+                    <a:lstStyle/>
+                    <a:p>
+                      <a:r>
+                        <a:rPr lang="zh-TW" altLang="en-US" dirty="0" smtClean="0"/>
+                        <a:t>時間區間</a:t>
+                      </a:r>
+                      <a:endParaRPr lang="zh-TW" altLang="en-US" dirty="0"/>
+                    </a:p>
+                  </a:txBody>
+                  <a:tcPr/>
+                </a:tc>
+                <a:tc>
+                  <a:txBody>
+                    <a:bodyPr/>
+                    <a:lstStyle/>
+                    <a:p>
+                      <a:r>
+                        <a:rPr lang="zh-TW" altLang="en-US" dirty="0" smtClean="0"/>
+                        <a:t>開始時間</a:t>
+                      </a:r>
+                      <a:endParaRPr lang="zh-TW" altLang="en-US" dirty="0"/>
+                    </a:p>
+                  </a:txBody>
+                  <a:tcPr/>
+                </a:tc>
+                <a:tc>
+                  <a:txBody>
+                    <a:bodyPr/>
+                    <a:lstStyle/>
+                    <a:p>
+                      <a:r>
+                        <a:rPr lang="zh-TW" altLang="en-US" dirty="0" smtClean="0"/>
+                        <a:t>結束時間</a:t>
+                      </a:r>
+                      <a:endParaRPr lang="zh-TW" altLang="en-US" dirty="0"/>
+                    </a:p>
+                  </a:txBody>
+                  <a:tcPr/>
+                </a:tc>
+              </a:tr>
+              <a:tr h="370840">
+                <a:tc>
+                  <a:txBody>
+                    <a:bodyPr/>
+                    <a:lstStyle/>
+                    <a:p>
+                      <a:r>
+                        <a:rPr lang="en-US" altLang="zh-TW" dirty="0" err="1" smtClean="0"/>
+                        <a:t>brexit</a:t>
+                      </a:r>
+                      <a:endParaRPr lang="zh-TW" altLang="en-US" dirty="0"/>
+                    </a:p>
+                  </a:txBody>
+                  <a:tcPr/>
+                </a:tc>
+                <a:tc>
+                  <a:txBody>
+                    <a:bodyPr/>
+                    <a:lstStyle/>
+                    <a:p>
+                      <a:r>
+                        <a:rPr lang="en-US" altLang="zh-TW" dirty="0" smtClean="0"/>
+                        <a:t>140</a:t>
+                      </a:r>
+                      <a:endParaRPr lang="zh-TW" altLang="en-US" dirty="0"/>
+                    </a:p>
+                  </a:txBody>
+                  <a:tcPr/>
+                </a:tc>
+                <a:tc>
+                  <a:txBody>
+                    <a:bodyPr/>
+                    <a:lstStyle/>
+                    <a:p>
+                      <a:r>
+                        <a:rPr lang="en-US" altLang="zh-TW" dirty="0" smtClean="0"/>
+                        <a:t>59</a:t>
+                      </a:r>
+                      <a:endParaRPr lang="zh-TW" altLang="en-US" dirty="0"/>
+                    </a:p>
+                  </a:txBody>
+                  <a:tcPr/>
+                </a:tc>
+                <a:tc>
+                  <a:txBody>
+                    <a:bodyPr/>
+                    <a:lstStyle/>
+                    <a:p>
+                      <a:r>
+                        <a:rPr lang="en-US" altLang="zh-TW" dirty="0" smtClean="0"/>
+                        <a:t>20160602</a:t>
+                      </a:r>
+                      <a:endParaRPr lang="zh-TW" altLang="en-US" dirty="0"/>
+                    </a:p>
+                  </a:txBody>
+                  <a:tcPr/>
+                </a:tc>
+                <a:tc>
+                  <a:txBody>
+                    <a:bodyPr/>
+                    <a:lstStyle/>
+                    <a:p>
+                      <a:r>
+                        <a:rPr lang="en-US" altLang="zh-TW" dirty="0" smtClean="0"/>
+                        <a:t>20160731</a:t>
+                      </a:r>
+                      <a:endParaRPr lang="zh-TW" altLang="en-US" dirty="0"/>
+                    </a:p>
+                  </a:txBody>
+                  <a:tcPr/>
+                </a:tc>
+              </a:tr>
+              <a:tr h="370840">
+                <a:tc>
+                  <a:txBody>
+                    <a:bodyPr/>
+                    <a:lstStyle/>
+                    <a:p>
+                      <a:r>
+                        <a:rPr lang="en-US" altLang="zh-TW" dirty="0" err="1" smtClean="0"/>
+                        <a:t>catalan</a:t>
+                      </a:r>
+                      <a:endParaRPr lang="zh-TW" altLang="en-US" dirty="0"/>
+                    </a:p>
+                  </a:txBody>
+                  <a:tcPr/>
+                </a:tc>
+                <a:tc>
+                  <a:txBody>
+                    <a:bodyPr/>
+                    <a:lstStyle/>
+                    <a:p>
+                      <a:r>
+                        <a:rPr lang="en-US" altLang="zh-TW" dirty="0" smtClean="0"/>
+                        <a:t>98</a:t>
+                      </a:r>
+                      <a:endParaRPr lang="zh-TW" altLang="en-US" dirty="0"/>
+                    </a:p>
+                  </a:txBody>
+                  <a:tcPr/>
+                </a:tc>
+                <a:tc>
+                  <a:txBody>
+                    <a:bodyPr/>
+                    <a:lstStyle/>
+                    <a:p>
+                      <a:r>
+                        <a:rPr lang="en-US" altLang="zh-TW" dirty="0" smtClean="0"/>
+                        <a:t>113</a:t>
+                      </a:r>
+                      <a:endParaRPr lang="zh-TW" altLang="en-US" dirty="0"/>
+                    </a:p>
+                  </a:txBody>
+                  <a:tcPr/>
+                </a:tc>
+                <a:tc>
+                  <a:txBody>
+                    <a:bodyPr/>
+                    <a:lstStyle/>
+                    <a:p>
+                      <a:r>
+                        <a:rPr lang="en-US" altLang="zh-TW" dirty="0" smtClean="0"/>
+                        <a:t>20170908</a:t>
+                      </a:r>
+                      <a:endParaRPr lang="zh-TW" altLang="en-US" dirty="0"/>
+                    </a:p>
+                  </a:txBody>
+                  <a:tcPr/>
+                </a:tc>
+                <a:tc>
+                  <a:txBody>
+                    <a:bodyPr/>
+                    <a:lstStyle/>
+                    <a:p>
+                      <a:r>
+                        <a:rPr lang="en-US" altLang="zh-TW" dirty="0" smtClean="0"/>
+                        <a:t>20171230</a:t>
+                      </a:r>
+                      <a:endParaRPr lang="zh-TW" altLang="en-US" dirty="0"/>
+                    </a:p>
+                  </a:txBody>
+                  <a:tcPr/>
+                </a:tc>
+              </a:tr>
+              <a:tr h="370840">
+                <a:tc>
+                  <a:txBody>
+                    <a:bodyPr/>
+                    <a:lstStyle/>
+                    <a:p>
+                      <a:r>
+                        <a:rPr lang="en-US" altLang="zh-TW" dirty="0" err="1" smtClean="0"/>
+                        <a:t>crimea</a:t>
+                      </a:r>
+                      <a:endParaRPr lang="zh-TW" altLang="en-US" dirty="0"/>
+                    </a:p>
+                  </a:txBody>
+                  <a:tcPr/>
+                </a:tc>
+                <a:tc>
+                  <a:txBody>
+                    <a:bodyPr/>
+                    <a:lstStyle/>
+                    <a:p>
+                      <a:r>
+                        <a:rPr lang="en-US" altLang="zh-TW" dirty="0" smtClean="0"/>
+                        <a:t>236</a:t>
+                      </a:r>
+                      <a:endParaRPr lang="zh-TW" altLang="en-US" dirty="0"/>
+                    </a:p>
+                  </a:txBody>
+                  <a:tcPr/>
+                </a:tc>
+                <a:tc>
+                  <a:txBody>
+                    <a:bodyPr/>
+                    <a:lstStyle/>
+                    <a:p>
+                      <a:r>
+                        <a:rPr lang="en-US" altLang="zh-TW" dirty="0" smtClean="0"/>
+                        <a:t>46</a:t>
+                      </a:r>
+                      <a:endParaRPr lang="zh-TW" altLang="en-US" dirty="0"/>
+                    </a:p>
+                  </a:txBody>
+                  <a:tcPr/>
+                </a:tc>
+                <a:tc>
+                  <a:txBody>
+                    <a:bodyPr/>
+                    <a:lstStyle/>
+                    <a:p>
+                      <a:r>
+                        <a:rPr lang="en-US" altLang="zh-TW" dirty="0" smtClean="0"/>
+                        <a:t>20140214 </a:t>
+                      </a:r>
+                      <a:endParaRPr lang="zh-TW" altLang="en-US" dirty="0"/>
+                    </a:p>
+                  </a:txBody>
+                  <a:tcPr/>
+                </a:tc>
+                <a:tc>
+                  <a:txBody>
+                    <a:bodyPr/>
+                    <a:lstStyle/>
+                    <a:p>
+                      <a:r>
+                        <a:rPr lang="en-US" altLang="zh-TW" dirty="0" smtClean="0"/>
+                        <a:t>20140401</a:t>
+                      </a:r>
+                      <a:endParaRPr lang="zh-TW" altLang="en-US" dirty="0"/>
+                    </a:p>
+                  </a:txBody>
+                  <a:tcPr/>
+                </a:tc>
+              </a:tr>
+              <a:tr h="370840">
+                <a:tc>
+                  <a:txBody>
+                    <a:bodyPr/>
+                    <a:lstStyle/>
+                    <a:p>
+                      <a:r>
+                        <a:rPr lang="en-US" altLang="zh-TW" dirty="0" smtClean="0"/>
+                        <a:t>gravitational</a:t>
+                      </a:r>
+                      <a:endParaRPr lang="zh-TW" altLang="en-US" dirty="0"/>
+                    </a:p>
+                  </a:txBody>
+                  <a:tcPr/>
+                </a:tc>
+                <a:tc>
+                  <a:txBody>
+                    <a:bodyPr/>
+                    <a:lstStyle/>
+                    <a:p>
+                      <a:r>
+                        <a:rPr lang="en-US" altLang="zh-TW" dirty="0" smtClean="0"/>
+                        <a:t>11</a:t>
+                      </a:r>
+                      <a:endParaRPr lang="zh-TW" altLang="en-US" dirty="0"/>
+                    </a:p>
+                  </a:txBody>
+                  <a:tcPr/>
+                </a:tc>
+                <a:tc>
+                  <a:txBody>
+                    <a:bodyPr/>
+                    <a:lstStyle/>
+                    <a:p>
+                      <a:r>
+                        <a:rPr lang="en-US" altLang="zh-TW" dirty="0" smtClean="0"/>
+                        <a:t>39</a:t>
+                      </a:r>
+                      <a:endParaRPr lang="zh-TW" altLang="en-US" dirty="0"/>
+                    </a:p>
+                  </a:txBody>
+                  <a:tcPr/>
+                </a:tc>
+                <a:tc>
+                  <a:txBody>
+                    <a:bodyPr/>
+                    <a:lstStyle/>
+                    <a:p>
+                      <a:r>
+                        <a:rPr lang="en-US" altLang="zh-TW" dirty="0" smtClean="0"/>
+                        <a:t>20160211</a:t>
+                      </a:r>
+                      <a:endParaRPr lang="zh-TW" altLang="en-US" dirty="0"/>
+                    </a:p>
+                  </a:txBody>
+                  <a:tcPr/>
+                </a:tc>
+                <a:tc>
+                  <a:txBody>
+                    <a:bodyPr/>
+                    <a:lstStyle/>
+                    <a:p>
+                      <a:r>
+                        <a:rPr lang="en-US" altLang="zh-TW" dirty="0" smtClean="0"/>
+                        <a:t>20160321</a:t>
+                      </a:r>
+                      <a:endParaRPr lang="zh-TW" altLang="en-US" dirty="0"/>
+                    </a:p>
+                  </a:txBody>
+                  <a:tcPr/>
+                </a:tc>
+              </a:tr>
+              <a:tr h="370840">
+                <a:tc>
+                  <a:txBody>
+                    <a:bodyPr/>
+                    <a:lstStyle/>
+                    <a:p>
+                      <a:r>
+                        <a:rPr lang="en-US" altLang="zh-TW" dirty="0" err="1" smtClean="0"/>
+                        <a:t>hk</a:t>
+                      </a:r>
+                      <a:endParaRPr lang="zh-TW" altLang="en-US" dirty="0"/>
+                    </a:p>
+                  </a:txBody>
+                  <a:tcPr/>
+                </a:tc>
+                <a:tc>
+                  <a:txBody>
+                    <a:bodyPr/>
+                    <a:lstStyle/>
+                    <a:p>
+                      <a:r>
+                        <a:rPr lang="en-US" altLang="zh-TW" dirty="0" smtClean="0"/>
+                        <a:t>81</a:t>
+                      </a:r>
+                      <a:endParaRPr lang="zh-TW" altLang="en-US" dirty="0"/>
+                    </a:p>
+                  </a:txBody>
+                  <a:tcPr/>
+                </a:tc>
+                <a:tc>
+                  <a:txBody>
+                    <a:bodyPr/>
+                    <a:lstStyle/>
+                    <a:p>
+                      <a:r>
+                        <a:rPr lang="en-US" altLang="zh-TW" dirty="0" smtClean="0"/>
+                        <a:t>100</a:t>
+                      </a:r>
+                      <a:endParaRPr lang="zh-TW" altLang="en-US" dirty="0"/>
+                    </a:p>
+                  </a:txBody>
+                  <a:tcPr/>
+                </a:tc>
+                <a:tc>
+                  <a:txBody>
+                    <a:bodyPr/>
+                    <a:lstStyle/>
+                    <a:p>
+                      <a:r>
+                        <a:rPr lang="en-US" altLang="zh-TW" dirty="0" smtClean="0"/>
+                        <a:t>20140914</a:t>
+                      </a:r>
+                      <a:endParaRPr lang="zh-TW" altLang="en-US" dirty="0"/>
+                    </a:p>
+                  </a:txBody>
+                  <a:tcPr/>
+                </a:tc>
+                <a:tc>
+                  <a:txBody>
+                    <a:bodyPr/>
+                    <a:lstStyle/>
+                    <a:p>
+                      <a:r>
+                        <a:rPr lang="en-US" altLang="zh-TW" dirty="0" smtClean="0"/>
+                        <a:t>20141223</a:t>
+                      </a:r>
+                      <a:endParaRPr lang="zh-TW" altLang="en-US" dirty="0"/>
+                    </a:p>
+                  </a:txBody>
+                  <a:tcPr/>
+                </a:tc>
+              </a:tr>
+              <a:tr h="370840">
+                <a:tc>
+                  <a:txBody>
+                    <a:bodyPr/>
+                    <a:lstStyle/>
+                    <a:p>
+                      <a:r>
+                        <a:rPr lang="en-US" altLang="zh-TW" dirty="0" smtClean="0"/>
+                        <a:t>missile</a:t>
+                      </a:r>
+                      <a:endParaRPr lang="zh-TW" altLang="en-US" dirty="0"/>
+                    </a:p>
+                  </a:txBody>
+                  <a:tcPr/>
+                </a:tc>
+                <a:tc>
+                  <a:txBody>
+                    <a:bodyPr/>
+                    <a:lstStyle/>
+                    <a:p>
+                      <a:r>
+                        <a:rPr lang="en-US" altLang="zh-TW" dirty="0" smtClean="0"/>
+                        <a:t>24</a:t>
+                      </a:r>
+                      <a:endParaRPr lang="zh-TW" altLang="en-US" dirty="0"/>
+                    </a:p>
+                  </a:txBody>
+                  <a:tcPr/>
+                </a:tc>
+                <a:tc>
+                  <a:txBody>
+                    <a:bodyPr/>
+                    <a:lstStyle/>
+                    <a:p>
+                      <a:r>
+                        <a:rPr lang="en-US" altLang="zh-TW" dirty="0" smtClean="0"/>
+                        <a:t>31</a:t>
+                      </a:r>
+                      <a:endParaRPr lang="zh-TW" altLang="en-US" dirty="0"/>
+                    </a:p>
+                  </a:txBody>
+                  <a:tcPr/>
+                </a:tc>
+                <a:tc>
+                  <a:txBody>
+                    <a:bodyPr/>
+                    <a:lstStyle/>
+                    <a:p>
+                      <a:r>
+                        <a:rPr lang="en-US" altLang="zh-TW" dirty="0" smtClean="0"/>
+                        <a:t>20170825</a:t>
+                      </a:r>
+                      <a:endParaRPr lang="zh-TW" altLang="en-US" dirty="0"/>
+                    </a:p>
+                  </a:txBody>
+                  <a:tcPr/>
+                </a:tc>
+                <a:tc>
+                  <a:txBody>
+                    <a:bodyPr/>
+                    <a:lstStyle/>
+                    <a:p>
+                      <a:r>
+                        <a:rPr lang="en-US" altLang="zh-TW" dirty="0" smtClean="0"/>
+                        <a:t>20170925</a:t>
+                      </a:r>
+                      <a:endParaRPr lang="zh-TW" altLang="en-US" dirty="0"/>
+                    </a:p>
+                  </a:txBody>
+                  <a:tcPr/>
+                </a:tc>
+              </a:tr>
+              <a:tr h="370840">
+                <a:tc>
+                  <a:txBody>
+                    <a:bodyPr/>
+                    <a:lstStyle/>
+                    <a:p>
+                      <a:r>
+                        <a:rPr lang="en-US" altLang="zh-TW" dirty="0" err="1" smtClean="0"/>
+                        <a:t>sewol</a:t>
+                      </a:r>
+                      <a:endParaRPr lang="zh-TW" altLang="en-US" dirty="0"/>
+                    </a:p>
+                  </a:txBody>
+                  <a:tcPr/>
+                </a:tc>
+                <a:tc>
+                  <a:txBody>
+                    <a:bodyPr/>
+                    <a:lstStyle/>
+                    <a:p>
+                      <a:r>
+                        <a:rPr lang="en-US" altLang="zh-TW" dirty="0" smtClean="0"/>
+                        <a:t>38</a:t>
+                      </a:r>
+                      <a:endParaRPr lang="zh-TW" altLang="en-US" dirty="0"/>
+                    </a:p>
+                  </a:txBody>
+                  <a:tcPr/>
+                </a:tc>
+                <a:tc>
+                  <a:txBody>
+                    <a:bodyPr/>
+                    <a:lstStyle/>
+                    <a:p>
+                      <a:r>
+                        <a:rPr lang="en-US" altLang="zh-TW" dirty="0" smtClean="0"/>
+                        <a:t>15</a:t>
+                      </a:r>
+                      <a:endParaRPr lang="zh-TW" altLang="en-US" dirty="0"/>
+                    </a:p>
+                  </a:txBody>
+                  <a:tcPr/>
+                </a:tc>
+                <a:tc>
+                  <a:txBody>
+                    <a:bodyPr/>
+                    <a:lstStyle/>
+                    <a:p>
+                      <a:r>
+                        <a:rPr lang="en-US" altLang="zh-TW" dirty="0" smtClean="0"/>
+                        <a:t>20140416</a:t>
+                      </a:r>
+                      <a:endParaRPr lang="zh-TW" altLang="en-US" dirty="0"/>
+                    </a:p>
+                  </a:txBody>
+                  <a:tcPr/>
+                </a:tc>
+                <a:tc>
+                  <a:txBody>
+                    <a:bodyPr/>
+                    <a:lstStyle/>
+                    <a:p>
+                      <a:r>
+                        <a:rPr lang="en-US" altLang="zh-TW" dirty="0" smtClean="0"/>
+                        <a:t>20140501</a:t>
+                      </a:r>
+                      <a:endParaRPr lang="zh-TW" altLang="en-US" dirty="0"/>
+                    </a:p>
+                  </a:txBody>
+                  <a:tcPr/>
+                </a:tc>
+              </a:tr>
+              <a:tr h="370840">
+                <a:tc>
+                  <a:txBody>
+                    <a:bodyPr/>
+                    <a:lstStyle/>
+                    <a:p>
+                      <a:r>
+                        <a:rPr lang="en-US" altLang="zh-TW" dirty="0" err="1" smtClean="0"/>
+                        <a:t>syria</a:t>
+                      </a:r>
+                      <a:endParaRPr lang="zh-TW" altLang="en-US" dirty="0"/>
+                    </a:p>
+                  </a:txBody>
+                  <a:tcPr/>
+                </a:tc>
+                <a:tc>
+                  <a:txBody>
+                    <a:bodyPr/>
+                    <a:lstStyle/>
+                    <a:p>
+                      <a:r>
+                        <a:rPr lang="en-US" altLang="zh-TW" dirty="0" smtClean="0"/>
+                        <a:t>59</a:t>
+                      </a:r>
+                      <a:endParaRPr lang="zh-TW" altLang="en-US" dirty="0"/>
+                    </a:p>
+                  </a:txBody>
+                  <a:tcPr/>
+                </a:tc>
+                <a:tc>
+                  <a:txBody>
+                    <a:bodyPr/>
+                    <a:lstStyle/>
+                    <a:p>
+                      <a:r>
+                        <a:rPr lang="en-US" altLang="zh-TW" dirty="0" smtClean="0"/>
+                        <a:t>55</a:t>
+                      </a:r>
+                      <a:endParaRPr lang="zh-TW" altLang="en-US" dirty="0"/>
+                    </a:p>
+                  </a:txBody>
+                  <a:tcPr/>
+                </a:tc>
+                <a:tc>
+                  <a:txBody>
+                    <a:bodyPr/>
+                    <a:lstStyle/>
+                    <a:p>
+                      <a:r>
+                        <a:rPr lang="en-US" altLang="zh-TW" dirty="0" smtClean="0"/>
+                        <a:t>20170404</a:t>
+                      </a:r>
+                      <a:endParaRPr lang="zh-TW" altLang="en-US" dirty="0"/>
+                    </a:p>
+                  </a:txBody>
+                  <a:tcPr/>
+                </a:tc>
+                <a:tc>
+                  <a:txBody>
+                    <a:bodyPr/>
+                    <a:lstStyle/>
+                    <a:p>
+                      <a:r>
+                        <a:rPr lang="en-US" altLang="zh-TW" dirty="0" smtClean="0"/>
+                        <a:t>20170529</a:t>
+                      </a:r>
+                      <a:endParaRPr lang="zh-TW" altLang="en-US" dirty="0"/>
+                    </a:p>
+                  </a:txBody>
+                  <a:tcPr/>
+                </a:tc>
+              </a:tr>
+              <a:tr h="370840">
+                <a:tc>
+                  <a:txBody>
+                    <a:bodyPr/>
+                    <a:lstStyle/>
+                    <a:p>
+                      <a:r>
+                        <a:rPr lang="en-US" altLang="zh-TW" dirty="0" err="1" smtClean="0"/>
+                        <a:t>turkish</a:t>
+                      </a:r>
+                      <a:endParaRPr lang="zh-TW" altLang="en-US" dirty="0"/>
+                    </a:p>
+                  </a:txBody>
+                  <a:tcPr/>
+                </a:tc>
+                <a:tc>
+                  <a:txBody>
+                    <a:bodyPr/>
+                    <a:lstStyle/>
+                    <a:p>
+                      <a:r>
+                        <a:rPr lang="en-US" altLang="zh-TW" dirty="0" smtClean="0"/>
+                        <a:t>30</a:t>
+                      </a:r>
+                      <a:endParaRPr lang="zh-TW" altLang="en-US" dirty="0"/>
+                    </a:p>
+                  </a:txBody>
+                  <a:tcPr/>
+                </a:tc>
+                <a:tc>
+                  <a:txBody>
+                    <a:bodyPr/>
+                    <a:lstStyle/>
+                    <a:p>
+                      <a:r>
+                        <a:rPr lang="en-US" altLang="zh-TW" dirty="0" smtClean="0"/>
+                        <a:t>16</a:t>
+                      </a:r>
+                      <a:endParaRPr lang="zh-TW" altLang="en-US" dirty="0"/>
+                    </a:p>
+                  </a:txBody>
+                  <a:tcPr/>
+                </a:tc>
+                <a:tc>
+                  <a:txBody>
+                    <a:bodyPr/>
+                    <a:lstStyle/>
+                    <a:p>
+                      <a:r>
+                        <a:rPr lang="en-US" altLang="zh-TW" dirty="0" smtClean="0"/>
+                        <a:t>20160715</a:t>
+                      </a:r>
+                      <a:endParaRPr lang="zh-TW" altLang="en-US" dirty="0"/>
+                    </a:p>
+                  </a:txBody>
+                  <a:tcPr/>
+                </a:tc>
+                <a:tc>
+                  <a:txBody>
+                    <a:bodyPr/>
+                    <a:lstStyle/>
+                    <a:p>
+                      <a:r>
+                        <a:rPr lang="en-US" altLang="zh-TW" dirty="0" smtClean="0"/>
+                        <a:t>20160731</a:t>
+                      </a:r>
+                      <a:endParaRPr lang="zh-TW" altLang="en-US" dirty="0"/>
+                    </a:p>
+                  </a:txBody>
+                  <a:tcPr/>
+                </a:tc>
+              </a:tr>
+            </a:tbl>
+          </a:graphicData>
+        </a:graphic>
+      </p:graphicFrame>
+    </p:spTree>
+    <p:extLst>
+      <p:ext uri="{BB962C8B-B14F-4D97-AF65-F5344CB8AC3E}">
+        <p14:creationId xmlns:p14="http://schemas.microsoft.com/office/powerpoint/2010/main" val="1103812969"/>
+      </p:ext>
+    </p:extLst>
+  </p:cSld>
+  <p:clrMapOvr>
+    <a:masterClrMapping/>
+  </p:clrMapOvr>
+</p:sld>
+</file>
+
+<file path=ppt/slides/slide3.xml><?xml version="1.0" encoding="utf-8"?>
 <p:sld xmlns:a="http://schemas.openxmlformats.org/drawingml/2006/main" xmlns:r="http://schemas.openxmlformats.org/officeDocument/2006/relationships" xmlns:p="http://schemas.openxmlformats.org/presentationml/2006/main">
   <p:cSld>
     <p:spTree>
@@ -23760,7 +24566,7 @@
 </p:sld>
 </file>
 
-<file path=ppt/slides/slide3.xml><?xml version="1.0" encoding="utf-8"?>
+<file path=ppt/slides/slide4.xml><?xml version="1.0" encoding="utf-8"?>
 <p:sld xmlns:a="http://schemas.openxmlformats.org/drawingml/2006/main" xmlns:r="http://schemas.openxmlformats.org/officeDocument/2006/relationships" xmlns:p="http://schemas.openxmlformats.org/presentationml/2006/main">
   <p:cSld>
     <p:spTree>
@@ -23845,7 +24651,7 @@
 </p:sld>
 </file>
 
-<file path=ppt/slides/slide4.xml><?xml version="1.0" encoding="utf-8"?>
+<file path=ppt/slides/slide5.xml><?xml version="1.0" encoding="utf-8"?>
 <p:sld xmlns:a="http://schemas.openxmlformats.org/drawingml/2006/main" xmlns:r="http://schemas.openxmlformats.org/officeDocument/2006/relationships" xmlns:p="http://schemas.openxmlformats.org/presentationml/2006/main">
   <p:cSld>
     <p:spTree>
@@ -23934,7 +24740,7 @@
 </p:sld>
 </file>
 
-<file path=ppt/slides/slide5.xml><?xml version="1.0" encoding="utf-8"?>
+<file path=ppt/slides/slide6.xml><?xml version="1.0" encoding="utf-8"?>
 <p:sld xmlns:a="http://schemas.openxmlformats.org/drawingml/2006/main" xmlns:r="http://schemas.openxmlformats.org/officeDocument/2006/relationships" xmlns:p="http://schemas.openxmlformats.org/presentationml/2006/main">
   <p:cSld>
     <p:spTree>
@@ -24023,7 +24829,7 @@
 </p:sld>
 </file>
 
-<file path=ppt/slides/slide6.xml><?xml version="1.0" encoding="utf-8"?>
+<file path=ppt/slides/slide7.xml><?xml version="1.0" encoding="utf-8"?>
 <p:sld xmlns:a="http://schemas.openxmlformats.org/drawingml/2006/main" xmlns:r="http://schemas.openxmlformats.org/officeDocument/2006/relationships" xmlns:p="http://schemas.openxmlformats.org/presentationml/2006/main">
   <p:cSld>
     <p:spTree>
@@ -24116,7 +24922,7 @@
 </p:sld>
 </file>
 
-<file path=ppt/slides/slide7.xml><?xml version="1.0" encoding="utf-8"?>
+<file path=ppt/slides/slide8.xml><?xml version="1.0" encoding="utf-8"?>
 <p:sld xmlns:a="http://schemas.openxmlformats.org/drawingml/2006/main" xmlns:r="http://schemas.openxmlformats.org/officeDocument/2006/relationships" xmlns:p="http://schemas.openxmlformats.org/presentationml/2006/main">
   <p:cSld>
     <p:spTree>
